--- a/typescript-getting-started.pptx
+++ b/typescript-getting-started.pptx
@@ -3302,6 +3302,13 @@
   <p:clrMapOvr>
     <a:masterClrMapping/>
   </p:clrMapOvr>
+  <p:timing>
+    <p:tnLst>
+      <p:par>
+        <p:cTn xmlns:p14="http://schemas.microsoft.com/office/powerpoint/2010/main" id="1" dur="indefinite" restart="never" nodeType="tmRoot"/>
+      </p:par>
+    </p:tnLst>
+  </p:timing>
 </p:sld>
 </file>
 
@@ -3340,12 +3347,8 @@
           <a:lstStyle/>
           <a:p>
             <a:r>
-              <a:rPr lang="en-US" dirty="0"/>
-              <a:t>Using TypeScript In </a:t>
-            </a:r>
-            <a:r>
               <a:rPr lang="en-US" dirty="0" smtClean="0"/>
-              <a:t>Text Editors</a:t>
+              <a:t>Using TypeScript In Text Editors</a:t>
             </a:r>
             <a:endParaRPr lang="en-US" dirty="0"/>
           </a:p>
@@ -3428,6 +3431,13 @@
   <p:clrMapOvr>
     <a:masterClrMapping/>
   </p:clrMapOvr>
+  <p:timing>
+    <p:tnLst>
+      <p:par>
+        <p:cTn xmlns:p14="http://schemas.microsoft.com/office/powerpoint/2010/main" id="1" dur="indefinite" restart="never" nodeType="tmRoot"/>
+      </p:par>
+    </p:tnLst>
+  </p:timing>
 </p:sld>
 </file>
 
@@ -3486,6 +3496,13 @@
   <p:clrMapOvr>
     <a:masterClrMapping/>
   </p:clrMapOvr>
+  <p:timing>
+    <p:tnLst>
+      <p:par>
+        <p:cTn xmlns:p14="http://schemas.microsoft.com/office/powerpoint/2010/main" id="1" dur="indefinite" restart="never" nodeType="tmRoot"/>
+      </p:par>
+    </p:tnLst>
+  </p:timing>
 </p:sld>
 </file>
 
@@ -3620,6 +3637,13 @@
   <p:clrMapOvr>
     <a:masterClrMapping/>
   </p:clrMapOvr>
+  <p:timing>
+    <p:tnLst>
+      <p:par>
+        <p:cTn xmlns:p14="http://schemas.microsoft.com/office/powerpoint/2010/main" id="1" dur="indefinite" restart="never" nodeType="tmRoot"/>
+      </p:par>
+    </p:tnLst>
+  </p:timing>
 </p:sld>
 </file>
 
@@ -3823,7 +3847,6 @@
               <a:rPr lang="en-US" sz="2400" dirty="0" smtClean="0"/>
               <a:t>Arjay Elbore</a:t>
             </a:r>
-            <a:endParaRPr lang="en-US" sz="2400" dirty="0" smtClean="0"/>
           </a:p>
           <a:p>
             <a:r>
@@ -4012,11 +4035,7 @@
             <a:pPr algn="l"/>
             <a:r>
               <a:rPr lang="en-US" dirty="0" smtClean="0"/>
-              <a:t>           </a:t>
-            </a:r>
-            <a:r>
-              <a:rPr lang="en-US" dirty="0" smtClean="0"/>
-              <a:t>About Me</a:t>
+              <a:t>           About Me</a:t>
             </a:r>
             <a:endParaRPr lang="en-US" dirty="0"/>
           </a:p>
@@ -4053,11 +4072,7 @@
           <a:p>
             <a:r>
               <a:rPr lang="en-US" sz="2800" dirty="0" smtClean="0"/>
-              <a:t>Javascript/Angular/Node </a:t>
-            </a:r>
-            <a:r>
-              <a:rPr lang="en-US" sz="2800" dirty="0" smtClean="0"/>
-              <a:t>and .Net Technology</a:t>
+              <a:t>Javascript/Angular/Node and .Net Technology</a:t>
             </a:r>
           </a:p>
         </p:txBody>
@@ -4102,6 +4117,13 @@
   <p:clrMapOvr>
     <a:masterClrMapping/>
   </p:clrMapOvr>
+  <p:timing>
+    <p:tnLst>
+      <p:par>
+        <p:cTn xmlns:p14="http://schemas.microsoft.com/office/powerpoint/2010/main" id="1" dur="indefinite" restart="never" nodeType="tmRoot"/>
+      </p:par>
+    </p:tnLst>
+  </p:timing>
 </p:sld>
 </file>
 
@@ -4139,7 +4161,7 @@
           <a:p>
             <a:r>
               <a:rPr lang="en-US" dirty="0" smtClean="0"/>
-              <a:t>Demo-App</a:t>
+              <a:t>Demo</a:t>
             </a:r>
             <a:endParaRPr lang="en-US" dirty="0"/>
           </a:p>
@@ -4179,61 +4201,55 @@
               <a:buNone/>
             </a:pPr>
             <a:r>
+              <a:rPr lang="en-US" sz="2200" dirty="0">
+                <a:hlinkClick r:id="rId2"/>
+              </a:rPr>
+              <a:t>https://github.com/ngvirtualoverride/</a:t>
+            </a:r>
+            <a:r>
               <a:rPr lang="en-US" sz="2200" dirty="0" smtClean="0">
                 <a:hlinkClick r:id="rId2"/>
               </a:rPr>
-              <a:t>https</a:t>
-            </a:r>
+              <a:t>manilaJSng1xTS15</a:t>
+            </a:r>
+            <a:endParaRPr lang="en-US" sz="2200" dirty="0" smtClean="0"/>
+          </a:p>
+          <a:p>
+            <a:pPr marL="0" indent="0">
+              <a:buNone/>
+            </a:pPr>
+            <a:endParaRPr lang="en-US" sz="2400" dirty="0" smtClean="0"/>
+          </a:p>
+          <a:p>
+            <a:pPr marL="0" indent="0">
+              <a:buNone/>
+            </a:pPr>
+            <a:endParaRPr lang="en-US" sz="2400" dirty="0" smtClean="0"/>
+          </a:p>
+          <a:p>
+            <a:pPr marL="0" indent="0">
+              <a:buNone/>
+            </a:pPr>
+            <a:r>
+              <a:rPr lang="en-US" sz="2400" dirty="0" smtClean="0"/>
+              <a:t>Or go to</a:t>
+            </a:r>
+          </a:p>
+          <a:p>
+            <a:pPr marL="0" indent="0">
+              <a:buNone/>
+            </a:pPr>
             <a:r>
               <a:rPr lang="en-US" sz="2200" dirty="0">
                 <a:hlinkClick r:id="rId2"/>
               </a:rPr>
-              <a:t>://github.com/ngvirtualoverride/</a:t>
+              <a:t>https://github.com/ngvirtualoverride/</a:t>
             </a:r>
             <a:r>
               <a:rPr lang="en-US" sz="2200" dirty="0" smtClean="0">
                 <a:hlinkClick r:id="rId2"/>
               </a:rPr>
-              <a:t>ngDirectivesDemo.git</a:t>
-            </a:r>
-            <a:endParaRPr lang="en-US" sz="2200" dirty="0" smtClean="0"/>
-          </a:p>
-          <a:p>
-            <a:pPr marL="0" indent="0">
-              <a:buNone/>
-            </a:pPr>
-            <a:endParaRPr lang="en-US" sz="2400" dirty="0" smtClean="0"/>
-          </a:p>
-          <a:p>
-            <a:pPr marL="0" indent="0">
-              <a:buNone/>
-            </a:pPr>
-            <a:endParaRPr lang="en-US" sz="2400" dirty="0" smtClean="0"/>
-          </a:p>
-          <a:p>
-            <a:pPr marL="0" indent="0">
-              <a:buNone/>
-            </a:pPr>
-            <a:r>
-              <a:rPr lang="en-US" sz="2400" dirty="0" smtClean="0"/>
-              <a:t>Or go to</a:t>
-            </a:r>
-          </a:p>
-          <a:p>
-            <a:pPr marL="0" indent="0">
-              <a:buNone/>
-            </a:pPr>
-            <a:r>
-              <a:rPr lang="en-US" sz="2200" dirty="0">
-                <a:hlinkClick r:id="rId3"/>
-              </a:rPr>
-              <a:t>https://github.com/ngvirtualoverride/</a:t>
-            </a:r>
-            <a:r>
-              <a:rPr lang="en-US" sz="2200" dirty="0" smtClean="0">
-                <a:hlinkClick r:id="rId3"/>
-              </a:rPr>
-              <a:t>ngDirectivesDemo</a:t>
+              <a:t>manilaJSng1xTS15</a:t>
             </a:r>
             <a:endParaRPr lang="en-US" sz="2200" dirty="0" smtClean="0"/>
           </a:p>
@@ -4264,7 +4280,7 @@
           <p:nvPr/>
         </p:nvPicPr>
         <p:blipFill>
-          <a:blip r:embed="rId4">
+          <a:blip r:embed="rId3">
             <a:extLst>
               <a:ext uri="{28A0092B-C50C-407E-A947-70E740481C1C}">
                 <a14:useLocalDpi xmlns:a14="http://schemas.microsoft.com/office/drawing/2010/main" val="0"/>
@@ -4364,7 +4380,6 @@
               <a:rPr lang="en-US" dirty="0" smtClean="0"/>
               <a:t>What is TypeScript?</a:t>
             </a:r>
-            <a:endParaRPr lang="en-US" dirty="0" smtClean="0"/>
           </a:p>
           <a:p>
             <a:r>
@@ -4396,7 +4411,6 @@
               <a:rPr lang="en-US" dirty="0" smtClean="0"/>
               <a:t>TODO App example code</a:t>
             </a:r>
-            <a:endParaRPr lang="en-US" dirty="0" smtClean="0"/>
           </a:p>
         </p:txBody>
       </p:sp>
@@ -4484,11 +4498,7 @@
           <a:p>
             <a:r>
               <a:rPr lang="en-US" dirty="0" smtClean="0"/>
-              <a:t>Target Audience</a:t>
-            </a:r>
-            <a:r>
-              <a:rPr lang="en-US" dirty="0" smtClean="0"/>
-              <a:t>	</a:t>
+              <a:t>Target Audience	</a:t>
             </a:r>
             <a:endParaRPr lang="en-US" dirty="0"/>
           </a:p>
@@ -4528,7 +4538,6 @@
               <a:rPr lang="en-US" dirty="0" smtClean="0"/>
               <a:t>OOP</a:t>
             </a:r>
-            <a:endParaRPr lang="en-US" dirty="0" smtClean="0"/>
           </a:p>
         </p:txBody>
       </p:sp>
@@ -4708,6 +4717,13 @@
   <p:clrMapOvr>
     <a:masterClrMapping/>
   </p:clrMapOvr>
+  <p:timing>
+    <p:tnLst>
+      <p:par>
+        <p:cTn xmlns:p14="http://schemas.microsoft.com/office/powerpoint/2010/main" id="1" dur="indefinite" restart="never" nodeType="tmRoot"/>
+      </p:par>
+    </p:tnLst>
+  </p:timing>
 </p:sld>
 </file>
 
@@ -4834,6 +4850,13 @@
   <p:clrMapOvr>
     <a:masterClrMapping/>
   </p:clrMapOvr>
+  <p:timing>
+    <p:tnLst>
+      <p:par>
+        <p:cTn xmlns:p14="http://schemas.microsoft.com/office/powerpoint/2010/main" id="1" dur="indefinite" restart="never" nodeType="tmRoot"/>
+      </p:par>
+    </p:tnLst>
+  </p:timing>
 </p:sld>
 </file>
 
@@ -4918,6 +4941,13 @@
   <p:clrMapOvr>
     <a:masterClrMapping/>
   </p:clrMapOvr>
+  <p:timing>
+    <p:tnLst>
+      <p:par>
+        <p:cTn xmlns:p14="http://schemas.microsoft.com/office/powerpoint/2010/main" id="1" dur="indefinite" restart="never" nodeType="tmRoot"/>
+      </p:par>
+    </p:tnLst>
+  </p:timing>
 </p:sld>
 </file>
 
